--- a/system-flow-structure.pptx
+++ b/system-flow-structure.pptx
@@ -104,6 +104,11 @@
       </a:defRPr>
     </a:lvl9pPr>
   </p:defaultTextStyle>
+  <p:extLst>
+    <p:ext uri="{EFAFB233-063F-42B5-8137-9DF3F51BA10A}">
+      <p15:sldGuideLst xmlns:p15="http://schemas.microsoft.com/office/powerpoint/2012/main"/>
+    </p:ext>
+  </p:extLst>
 </p:presentation>
 </file>
 
@@ -5913,6 +5918,168 @@
           </a:p>
         </p:txBody>
       </p:sp>
+      <p:sp>
+        <p:nvSpPr>
+          <p:cNvPr id="2" name="TextBox 1">
+            <a:extLst>
+              <a:ext uri="{FF2B5EF4-FFF2-40B4-BE49-F238E27FC236}">
+                <a16:creationId xmlns:a16="http://schemas.microsoft.com/office/drawing/2014/main" id="{C2F61E6A-78A3-9A48-90E3-9BA143FCA0B6}"/>
+              </a:ext>
+            </a:extLst>
+          </p:cNvPr>
+          <p:cNvSpPr txBox="1"/>
+          <p:nvPr/>
+        </p:nvSpPr>
+        <p:spPr>
+          <a:xfrm>
+            <a:off x="6329996" y="607372"/>
+            <a:ext cx="3344146" cy="584775"/>
+          </a:xfrm>
+          <a:prstGeom prst="rect">
+            <a:avLst/>
+          </a:prstGeom>
+          <a:noFill/>
+          <a:ln>
+            <a:solidFill>
+              <a:schemeClr val="tx1"/>
+            </a:solidFill>
+          </a:ln>
+        </p:spPr>
+        <p:txBody>
+          <a:bodyPr wrap="square" rtlCol="0">
+            <a:spAutoFit/>
+          </a:bodyPr>
+          <a:lstStyle/>
+          <a:p>
+            <a:pPr algn="ctr"/>
+            <a:r>
+              <a:rPr lang="fi-FI" sz="1600" dirty="0" err="1"/>
+              <a:t>Use</a:t>
+            </a:r>
+            <a:r>
+              <a:rPr lang="fi-FI" sz="1600" dirty="0"/>
+              <a:t> </a:t>
+            </a:r>
+            <a:r>
+              <a:rPr lang="fi-FI" sz="1600" dirty="0" err="1"/>
+              <a:t>the</a:t>
+            </a:r>
+            <a:r>
+              <a:rPr lang="fi-FI" sz="1600" dirty="0"/>
+              <a:t> </a:t>
+            </a:r>
+            <a:r>
+              <a:rPr lang="fi-FI" sz="1600" dirty="0" err="1"/>
+              <a:t>chosen</a:t>
+            </a:r>
+            <a:r>
+              <a:rPr lang="fi-FI" sz="1600" dirty="0"/>
+              <a:t> </a:t>
+            </a:r>
+            <a:r>
+              <a:rPr lang="fi-FI" sz="1600" dirty="0" err="1"/>
+              <a:t>condition</a:t>
+            </a:r>
+            <a:r>
+              <a:rPr lang="fi-FI" sz="1600" dirty="0"/>
+              <a:t> in </a:t>
+            </a:r>
+            <a:r>
+              <a:rPr lang="fi-FI" sz="1600" dirty="0" err="1"/>
+              <a:t>all</a:t>
+            </a:r>
+            <a:r>
+              <a:rPr lang="fi-FI" sz="1600" dirty="0"/>
+              <a:t> </a:t>
+            </a:r>
+            <a:r>
+              <a:rPr lang="fi-FI" sz="1600" dirty="0" err="1"/>
+              <a:t>the</a:t>
+            </a:r>
+            <a:r>
+              <a:rPr lang="fi-FI" sz="1600" dirty="0"/>
+              <a:t> </a:t>
+            </a:r>
+            <a:r>
+              <a:rPr lang="fi-FI" sz="1600" dirty="0" err="1"/>
+              <a:t>steps</a:t>
+            </a:r>
+            <a:r>
+              <a:rPr lang="fi-FI" sz="1600" dirty="0"/>
+              <a:t> </a:t>
+            </a:r>
+            <a:r>
+              <a:rPr lang="fi-FI" sz="1600" dirty="0" err="1"/>
+              <a:t>with</a:t>
+            </a:r>
+            <a:r>
+              <a:rPr lang="fi-FI" sz="1600" dirty="0"/>
+              <a:t> </a:t>
+            </a:r>
+            <a:r>
+              <a:rPr lang="fi-FI" sz="1600" dirty="0" err="1"/>
+              <a:t>this</a:t>
+            </a:r>
+            <a:r>
+              <a:rPr lang="fi-FI" sz="1600" dirty="0"/>
+              <a:t> </a:t>
+            </a:r>
+            <a:r>
+              <a:rPr lang="fi-FI" sz="1600" dirty="0" err="1"/>
+              <a:t>participant</a:t>
+            </a:r>
+            <a:endParaRPr lang="fi-FI" sz="1600" dirty="0"/>
+          </a:p>
+        </p:txBody>
+      </p:sp>
+      <p:cxnSp>
+        <p:nvCxnSpPr>
+          <p:cNvPr id="6" name="Elbow Connector 5">
+            <a:extLst>
+              <a:ext uri="{FF2B5EF4-FFF2-40B4-BE49-F238E27FC236}">
+                <a16:creationId xmlns:a16="http://schemas.microsoft.com/office/drawing/2014/main" id="{3C9A3855-040C-724E-8C0E-7A6AD15D21D2}"/>
+              </a:ext>
+            </a:extLst>
+          </p:cNvPr>
+          <p:cNvCxnSpPr>
+            <a:cxnSpLocks/>
+            <a:stCxn id="2" idx="0"/>
+            <a:endCxn id="9" idx="0"/>
+          </p:cNvCxnSpPr>
+          <p:nvPr/>
+        </p:nvCxnSpPr>
+        <p:spPr>
+          <a:xfrm rot="16200000" flipV="1">
+            <a:off x="5600733" y="-1793965"/>
+            <a:ext cx="48982" cy="4753691"/>
+          </a:xfrm>
+          <a:prstGeom prst="bentConnector3">
+            <a:avLst>
+              <a:gd name="adj1" fmla="val 566702"/>
+            </a:avLst>
+          </a:prstGeom>
+          <a:ln>
+            <a:solidFill>
+              <a:schemeClr val="tx1"/>
+            </a:solidFill>
+            <a:tailEnd type="triangle"/>
+          </a:ln>
+        </p:spPr>
+        <p:style>
+          <a:lnRef idx="1">
+            <a:schemeClr val="accent1"/>
+          </a:lnRef>
+          <a:fillRef idx="0">
+            <a:schemeClr val="accent1"/>
+          </a:fillRef>
+          <a:effectRef idx="0">
+            <a:schemeClr val="accent1"/>
+          </a:effectRef>
+          <a:fontRef idx="minor">
+            <a:schemeClr val="tx1"/>
+          </a:fontRef>
+        </p:style>
+      </p:cxnSp>
     </p:spTree>
     <p:extLst>
       <p:ext uri="{BB962C8B-B14F-4D97-AF65-F5344CB8AC3E}">
